--- a/ppt/算法讲解120【扩展】树上问题专题3-树的重心.pptx
+++ b/ppt/算法讲解120【扩展】树上问题专题3-树的重心.pptx
@@ -5395,7 +5395,7 @@
               </a:defRPr>
             </a:pPr>
             <a:r>
-              <a:t>一共有n-1条边把所有点联通起来形成一棵树，每条边有权值</a:t>
+              <a:t>一共有n-1条边把所有点连通起来形成一棵树，每条边有权值</a:t>
             </a:r>
           </a:p>
           <a:p>

--- a/ppt/算法讲解120【扩展】树上问题专题3-树的重心.pptx
+++ b/ppt/算法讲解120【扩展】树上问题专题3-树的重心.pptx
@@ -5856,7 +5856,35 @@
               </a:defRPr>
             </a:pPr>
             <a:r>
-              <a:t>测试链接 : https://www.luogu.com.cn/problem/CF1406C</a:t>
+              <a:t>测试链接 : </a:t>
+            </a:r>
+            <a:r>
+              <a:rPr>
+                <a:hlinkClick r:id="rId2" invalidUrl="" action="" tgtFrame="" tooltip="" history="1" highlightClick="0" endSnd="0"/>
+              </a:rPr>
+              <a:t>https://www.luogu.com.cn/problem/CF1406C</a:t>
+            </a:r>
+          </a:p>
+          <a:p>
+            <a:pPr algn="l" defTabSz="457200">
+              <a:defRPr sz="3600">
+                <a:solidFill>
+                  <a:srgbClr val="000000"/>
+                </a:solidFill>
+                <a:latin typeface="Monaco"/>
+                <a:ea typeface="Monaco"/>
+                <a:cs typeface="Monaco"/>
+                <a:sym typeface="Monaco"/>
+              </a:defRPr>
+            </a:pPr>
+            <a:r>
+              <a:t>测试链接 : </a:t>
+            </a:r>
+            <a:r>
+              <a:rPr>
+                <a:hlinkClick r:id="rId3" invalidUrl="" action="" tgtFrame="" tooltip="" history="1" highlightClick="0" endSnd="0"/>
+              </a:rPr>
+              <a:t>https://codeforces.com/problemset/problem/1406/C</a:t>
             </a:r>
           </a:p>
         </p:txBody>
